--- a/Data_vis_ggplot2.pptx
+++ b/Data_vis_ggplot2.pptx
@@ -416,7 +416,7 @@
           <a:p>
             <a:fld id="{E80C50CD-E178-4744-9B35-B2F624D6C5E9}" type="datetimeFigureOut">
               <a:rPr lang="en-US" smtClean="0"/>
-              <a:t>6/9/25</a:t>
+              <a:t>11/27/25</a:t>
             </a:fld>
             <a:endParaRPr lang="en-US"/>
           </a:p>
@@ -614,7 +614,7 @@
           <a:p>
             <a:fld id="{E80C50CD-E178-4744-9B35-B2F624D6C5E9}" type="datetimeFigureOut">
               <a:rPr lang="en-US" smtClean="0"/>
-              <a:t>6/9/25</a:t>
+              <a:t>11/27/25</a:t>
             </a:fld>
             <a:endParaRPr lang="en-US"/>
           </a:p>
@@ -822,7 +822,7 @@
           <a:p>
             <a:fld id="{E80C50CD-E178-4744-9B35-B2F624D6C5E9}" type="datetimeFigureOut">
               <a:rPr lang="en-US" smtClean="0"/>
-              <a:t>6/9/25</a:t>
+              <a:t>11/27/25</a:t>
             </a:fld>
             <a:endParaRPr lang="en-US"/>
           </a:p>
@@ -1072,7 +1072,7 @@
           <a:p>
             <a:fld id="{E80C50CD-E178-4744-9B35-B2F624D6C5E9}" type="datetimeFigureOut">
               <a:rPr lang="en-US" smtClean="0"/>
-              <a:t>6/9/25</a:t>
+              <a:t>11/27/25</a:t>
             </a:fld>
             <a:endParaRPr lang="en-US"/>
           </a:p>
@@ -1351,7 +1351,7 @@
           <a:p>
             <a:fld id="{E80C50CD-E178-4744-9B35-B2F624D6C5E9}" type="datetimeFigureOut">
               <a:rPr lang="en-US" smtClean="0"/>
-              <a:t>6/9/25</a:t>
+              <a:t>11/27/25</a:t>
             </a:fld>
             <a:endParaRPr lang="en-US"/>
           </a:p>
@@ -1668,7 +1668,7 @@
           <a:p>
             <a:fld id="{E80C50CD-E178-4744-9B35-B2F624D6C5E9}" type="datetimeFigureOut">
               <a:rPr lang="en-US" smtClean="0"/>
-              <a:t>6/9/25</a:t>
+              <a:t>11/27/25</a:t>
             </a:fld>
             <a:endParaRPr lang="en-US"/>
           </a:p>
@@ -2084,7 +2084,7 @@
           <a:p>
             <a:fld id="{E80C50CD-E178-4744-9B35-B2F624D6C5E9}" type="datetimeFigureOut">
               <a:rPr lang="en-US" smtClean="0"/>
-              <a:t>6/9/25</a:t>
+              <a:t>11/27/25</a:t>
             </a:fld>
             <a:endParaRPr lang="en-US"/>
           </a:p>
@@ -2225,7 +2225,7 @@
           <a:p>
             <a:fld id="{E80C50CD-E178-4744-9B35-B2F624D6C5E9}" type="datetimeFigureOut">
               <a:rPr lang="en-US" smtClean="0"/>
-              <a:t>6/9/25</a:t>
+              <a:t>11/27/25</a:t>
             </a:fld>
             <a:endParaRPr lang="en-US"/>
           </a:p>
@@ -2338,7 +2338,7 @@
           <a:p>
             <a:fld id="{E80C50CD-E178-4744-9B35-B2F624D6C5E9}" type="datetimeFigureOut">
               <a:rPr lang="en-US" smtClean="0"/>
-              <a:t>6/9/25</a:t>
+              <a:t>11/27/25</a:t>
             </a:fld>
             <a:endParaRPr lang="en-US"/>
           </a:p>
@@ -2655,7 +2655,7 @@
           <a:p>
             <a:fld id="{E80C50CD-E178-4744-9B35-B2F624D6C5E9}" type="datetimeFigureOut">
               <a:rPr lang="en-US" smtClean="0"/>
-              <a:t>6/9/25</a:t>
+              <a:t>11/27/25</a:t>
             </a:fld>
             <a:endParaRPr lang="en-US"/>
           </a:p>
@@ -2947,7 +2947,7 @@
           <a:p>
             <a:fld id="{E80C50CD-E178-4744-9B35-B2F624D6C5E9}" type="datetimeFigureOut">
               <a:rPr lang="en-US" smtClean="0"/>
-              <a:t>6/9/25</a:t>
+              <a:t>11/27/25</a:t>
             </a:fld>
             <a:endParaRPr lang="en-US"/>
           </a:p>
@@ -3187,7 +3187,7 @@
             <a:fld id="{E80C50CD-E178-4744-9B35-B2F624D6C5E9}" type="datetimeFigureOut">
               <a:rPr lang="en-US" smtClean="0"/>
               <a:pPr/>
-              <a:t>6/9/25</a:t>
+              <a:t>11/27/25</a:t>
             </a:fld>
             <a:endParaRPr lang="en-US"/>
           </a:p>
@@ -4039,7 +4039,7 @@
             <a:pPr algn="ctr"/>
             <a:r>
               <a:rPr lang="en-US" dirty="0"/>
-              <a:t>10.06.2025</a:t>
+              <a:t>01.12.2025</a:t>
             </a:r>
           </a:p>
         </p:txBody>
@@ -5157,7 +5157,7 @@
         <p:spPr>
           <a:xfrm>
             <a:off x="4739880" y="3560400"/>
-            <a:ext cx="2742480" cy="639000"/>
+            <a:ext cx="2742480" cy="644877"/>
           </a:xfrm>
           <a:prstGeom prst="rect">
             <a:avLst/>
@@ -5191,18 +5191,45 @@
               </a:lnSpc>
             </a:pPr>
             <a:r>
-              <a:rPr lang="en-US" spc="-1">
-                <a:solidFill>
-                  <a:srgbClr val="000000"/>
-                </a:solidFill>
-                <a:latin typeface="Courier New"/>
-                <a:ea typeface="DejaVu Sans"/>
-              </a:rPr>
-              <a:t>ggplot(…)+ geom_dotplot(…)</a:t>
-            </a:r>
-            <a:endParaRPr lang="en-GB" spc="-1">
-              <a:latin typeface="Arial"/>
-            </a:endParaRPr>
+              <a:rPr lang="en-US" spc="-1" dirty="0" err="1">
+                <a:solidFill>
+                  <a:srgbClr val="000000"/>
+                </a:solidFill>
+                <a:latin typeface="Courier New"/>
+                <a:ea typeface="DejaVu Sans"/>
+              </a:rPr>
+              <a:t>ggplot</a:t>
+            </a:r>
+            <a:r>
+              <a:rPr lang="en-US" spc="-1" dirty="0">
+                <a:solidFill>
+                  <a:srgbClr val="000000"/>
+                </a:solidFill>
+                <a:latin typeface="Courier New"/>
+                <a:ea typeface="DejaVu Sans"/>
+              </a:rPr>
+              <a:t>(…)+ </a:t>
+            </a:r>
+            <a:r>
+              <a:rPr lang="en-US" spc="-1" dirty="0" err="1">
+                <a:solidFill>
+                  <a:srgbClr val="000000"/>
+                </a:solidFill>
+                <a:latin typeface="Courier New"/>
+                <a:ea typeface="DejaVu Sans"/>
+              </a:rPr>
+              <a:t>geom_dotplot</a:t>
+            </a:r>
+            <a:r>
+              <a:rPr lang="en-US" spc="-1" dirty="0">
+                <a:solidFill>
+                  <a:srgbClr val="000000"/>
+                </a:solidFill>
+                <a:latin typeface="Courier New"/>
+                <a:ea typeface="DejaVu Sans"/>
+              </a:rPr>
+              <a:t>(…)</a:t>
+            </a:r>
           </a:p>
         </p:txBody>
       </p:sp>
@@ -6516,7 +6543,7 @@
         <p:spPr>
           <a:xfrm>
             <a:off x="1981200" y="4536047"/>
-            <a:ext cx="8442000" cy="1736280"/>
+            <a:ext cx="8442000" cy="1475873"/>
           </a:xfrm>
           <a:prstGeom prst="rect">
             <a:avLst/>
@@ -6850,33 +6877,7 @@
                 <a:latin typeface="Courier New"/>
                 <a:ea typeface="DejaVu Sans"/>
               </a:rPr>
-              <a:t>="orange", alpha=0.9, size=1.5) + </a:t>
-            </a:r>
-            <a:r>
-              <a:rPr lang="en-US" b="1" spc="-1" dirty="0" err="1">
-                <a:solidFill>
-                  <a:srgbClr val="000000"/>
-                </a:solidFill>
-                <a:highlight>
-                  <a:srgbClr val="FFFF00"/>
-                </a:highlight>
-                <a:latin typeface="Courier New"/>
-                <a:ea typeface="DejaVu Sans"/>
-              </a:rPr>
-              <a:t>ggtitle</a:t>
-            </a:r>
-            <a:r>
-              <a:rPr lang="en-US" spc="-1" dirty="0">
-                <a:solidFill>
-                  <a:srgbClr val="000000"/>
-                </a:solidFill>
-                <a:highlight>
-                  <a:srgbClr val="FFFF00"/>
-                </a:highlight>
-                <a:latin typeface="Courier New"/>
-                <a:ea typeface="DejaVu Sans"/>
-              </a:rPr>
-              <a:t>("using standard deviation")</a:t>
+              <a:t>="orange", size=1.5)</a:t>
             </a:r>
             <a:endParaRPr lang="en-GB" spc="-1" dirty="0">
               <a:latin typeface="Arial"/>
@@ -9840,17 +9841,17 @@
               <a:t>GitHub repository: </a:t>
             </a:r>
             <a:r>
-              <a:rPr lang="en-US" sz="1600" b="0" strike="noStrike" spc="-1" dirty="0">
+              <a:rPr lang="en-US" sz="1600" spc="-1" dirty="0">
                 <a:solidFill>
                   <a:srgbClr val="000000"/>
                 </a:solidFill>
                 <a:latin typeface="Calibri"/>
                 <a:hlinkClick r:id="rId2"/>
               </a:rPr>
-              <a:t>https://github.com/Chelysheva/data_vis_ggplot2_June2025</a:t>
-            </a:r>
-            <a:r>
-              <a:rPr lang="en-US" sz="1600" b="0" strike="noStrike" spc="-1" dirty="0">
+              <a:t>https://github.com/Chelysheva/data_vis_ggplot2_Dec2025</a:t>
+            </a:r>
+            <a:r>
+              <a:rPr lang="en-US" sz="1600" spc="-1" dirty="0">
                 <a:solidFill>
                   <a:srgbClr val="000000"/>
                 </a:solidFill>
@@ -14971,13 +14972,13 @@
   <p:clrMapOvr>
     <a:masterClrMapping/>
   </p:clrMapOvr>
-  <mc:AlternateContent xmlns:mc="http://schemas.openxmlformats.org/markup-compatibility/2006">
-    <mc:Choice xmlns:p14="http://schemas.microsoft.com/office/powerpoint/2010/main" Requires="p14">
+  <mc:AlternateContent xmlns:mc="http://schemas.openxmlformats.org/markup-compatibility/2006" xmlns:p14="http://schemas.microsoft.com/office/powerpoint/2010/main">
+    <mc:Choice Requires="p14">
       <p:transition spd="med" p14:dur="700">
         <p:fade/>
       </p:transition>
     </mc:Choice>
-    <mc:Fallback>
+    <mc:Fallback xmlns="">
       <p:transition spd="med">
         <p:fade/>
       </p:transition>
